--- a/0510/5 10 발표.pptx
+++ b/0510/5 10 발표.pptx
@@ -29,7 +29,6 @@
     <p:sldId id="276" r:id="rId23"/>
     <p:sldId id="278" r:id="rId24"/>
     <p:sldId id="279" r:id="rId25"/>
-    <p:sldId id="280" r:id="rId26"/>
   </p:sldIdLst>
   <p:sldSz cx="12192000" cy="6858000"/>
   <p:notesSz cx="6858000" cy="9144000"/>
@@ -128,6 +127,11 @@
       </a:defRPr>
     </a:lvl9pPr>
   </p:defaultTextStyle>
+  <p:extLst>
+    <p:ext uri="{EFAFB233-063F-42B5-8137-9DF3F51BA10A}">
+      <p15:sldGuideLst xmlns:p15="http://schemas.microsoft.com/office/powerpoint/2012/main"/>
+    </p:ext>
+  </p:extLst>
 </p:presentation>
 </file>
 
@@ -278,7 +282,7 @@
           <a:p>
             <a:fld id="{AAD2839C-B1AF-41B9-8195-3E0AF7973D31}" type="datetimeFigureOut">
               <a:rPr lang="ko-KR" altLang="en-US" smtClean="0"/>
-              <a:t>2024-05-09</a:t>
+              <a:t>2024-05-10</a:t>
             </a:fld>
             <a:endParaRPr lang="ko-KR" altLang="en-US"/>
           </a:p>
@@ -476,7 +480,7 @@
           <a:p>
             <a:fld id="{AAD2839C-B1AF-41B9-8195-3E0AF7973D31}" type="datetimeFigureOut">
               <a:rPr lang="ko-KR" altLang="en-US" smtClean="0"/>
-              <a:t>2024-05-09</a:t>
+              <a:t>2024-05-10</a:t>
             </a:fld>
             <a:endParaRPr lang="ko-KR" altLang="en-US"/>
           </a:p>
@@ -684,7 +688,7 @@
           <a:p>
             <a:fld id="{AAD2839C-B1AF-41B9-8195-3E0AF7973D31}" type="datetimeFigureOut">
               <a:rPr lang="ko-KR" altLang="en-US" smtClean="0"/>
-              <a:t>2024-05-09</a:t>
+              <a:t>2024-05-10</a:t>
             </a:fld>
             <a:endParaRPr lang="ko-KR" altLang="en-US"/>
           </a:p>
@@ -882,7 +886,7 @@
           <a:p>
             <a:fld id="{AAD2839C-B1AF-41B9-8195-3E0AF7973D31}" type="datetimeFigureOut">
               <a:rPr lang="ko-KR" altLang="en-US" smtClean="0"/>
-              <a:t>2024-05-09</a:t>
+              <a:t>2024-05-10</a:t>
             </a:fld>
             <a:endParaRPr lang="ko-KR" altLang="en-US"/>
           </a:p>
@@ -1157,7 +1161,7 @@
           <a:p>
             <a:fld id="{AAD2839C-B1AF-41B9-8195-3E0AF7973D31}" type="datetimeFigureOut">
               <a:rPr lang="ko-KR" altLang="en-US" smtClean="0"/>
-              <a:t>2024-05-09</a:t>
+              <a:t>2024-05-10</a:t>
             </a:fld>
             <a:endParaRPr lang="ko-KR" altLang="en-US"/>
           </a:p>
@@ -1422,7 +1426,7 @@
           <a:p>
             <a:fld id="{AAD2839C-B1AF-41B9-8195-3E0AF7973D31}" type="datetimeFigureOut">
               <a:rPr lang="ko-KR" altLang="en-US" smtClean="0"/>
-              <a:t>2024-05-09</a:t>
+              <a:t>2024-05-10</a:t>
             </a:fld>
             <a:endParaRPr lang="ko-KR" altLang="en-US"/>
           </a:p>
@@ -1834,7 +1838,7 @@
           <a:p>
             <a:fld id="{AAD2839C-B1AF-41B9-8195-3E0AF7973D31}" type="datetimeFigureOut">
               <a:rPr lang="ko-KR" altLang="en-US" smtClean="0"/>
-              <a:t>2024-05-09</a:t>
+              <a:t>2024-05-10</a:t>
             </a:fld>
             <a:endParaRPr lang="ko-KR" altLang="en-US"/>
           </a:p>
@@ -1975,7 +1979,7 @@
           <a:p>
             <a:fld id="{AAD2839C-B1AF-41B9-8195-3E0AF7973D31}" type="datetimeFigureOut">
               <a:rPr lang="ko-KR" altLang="en-US" smtClean="0"/>
-              <a:t>2024-05-09</a:t>
+              <a:t>2024-05-10</a:t>
             </a:fld>
             <a:endParaRPr lang="ko-KR" altLang="en-US"/>
           </a:p>
@@ -2088,7 +2092,7 @@
           <a:p>
             <a:fld id="{AAD2839C-B1AF-41B9-8195-3E0AF7973D31}" type="datetimeFigureOut">
               <a:rPr lang="ko-KR" altLang="en-US" smtClean="0"/>
-              <a:t>2024-05-09</a:t>
+              <a:t>2024-05-10</a:t>
             </a:fld>
             <a:endParaRPr lang="ko-KR" altLang="en-US"/>
           </a:p>
@@ -2399,7 +2403,7 @@
           <a:p>
             <a:fld id="{AAD2839C-B1AF-41B9-8195-3E0AF7973D31}" type="datetimeFigureOut">
               <a:rPr lang="ko-KR" altLang="en-US" smtClean="0"/>
-              <a:t>2024-05-09</a:t>
+              <a:t>2024-05-10</a:t>
             </a:fld>
             <a:endParaRPr lang="ko-KR" altLang="en-US"/>
           </a:p>
@@ -2687,7 +2691,7 @@
           <a:p>
             <a:fld id="{AAD2839C-B1AF-41B9-8195-3E0AF7973D31}" type="datetimeFigureOut">
               <a:rPr lang="ko-KR" altLang="en-US" smtClean="0"/>
-              <a:t>2024-05-09</a:t>
+              <a:t>2024-05-10</a:t>
             </a:fld>
             <a:endParaRPr lang="ko-KR" altLang="en-US"/>
           </a:p>
@@ -2931,7 +2935,7 @@
           <a:p>
             <a:fld id="{AAD2839C-B1AF-41B9-8195-3E0AF7973D31}" type="datetimeFigureOut">
               <a:rPr lang="ko-KR" altLang="en-US" smtClean="0"/>
-              <a:t>2024-05-09</a:t>
+              <a:t>2024-05-10</a:t>
             </a:fld>
             <a:endParaRPr lang="ko-KR" altLang="en-US"/>
           </a:p>
@@ -3356,7 +3360,7 @@
                 <a16:creationId xmlns:a16="http://schemas.microsoft.com/office/drawing/2014/main" id="{C27D7A02-907B-496F-BA7E-AA3780733CA7}"/>
               </a:ext>
               <a:ext uri="{C183D7F6-B498-43B3-948B-1728B52AA6E4}">
-                <adec:decorative xmlns:adec="http://schemas.microsoft.com/office/drawing/2017/decorative" val="1"/>
+                <adec:decorative xmlns:adec="http://schemas.microsoft.com/office/drawing/2017/decorative" xmlns="" val="1"/>
               </a:ext>
             </a:extLst>
           </p:cNvPr>
@@ -3432,7 +3436,7 @@
                 <a16:creationId xmlns:a16="http://schemas.microsoft.com/office/drawing/2014/main" id="{0FBA5268-0AE7-4CAD-9537-D0EB09E76406}"/>
               </a:ext>
               <a:ext uri="{C183D7F6-B498-43B3-948B-1728B52AA6E4}">
-                <adec:decorative xmlns:adec="http://schemas.microsoft.com/office/drawing/2017/decorative" val="1"/>
+                <adec:decorative xmlns:adec="http://schemas.microsoft.com/office/drawing/2017/decorative" xmlns="" val="1"/>
               </a:ext>
             </a:extLst>
           </p:cNvPr>
@@ -3498,7 +3502,7 @@
                 <a16:creationId xmlns:a16="http://schemas.microsoft.com/office/drawing/2014/main" id="{088D065B-39DA-4077-B9CF-E489CE4C0169}"/>
               </a:ext>
               <a:ext uri="{C183D7F6-B498-43B3-948B-1728B52AA6E4}">
-                <adec:decorative xmlns:adec="http://schemas.microsoft.com/office/drawing/2017/decorative" val="1"/>
+                <adec:decorative xmlns:adec="http://schemas.microsoft.com/office/drawing/2017/decorative" xmlns="" val="1"/>
               </a:ext>
             </a:extLst>
           </p:cNvPr>
@@ -4171,6 +4175,44 @@
           </a:prstGeom>
         </p:spPr>
       </p:pic>
+      <p:sp>
+        <p:nvSpPr>
+          <p:cNvPr id="2" name="TextBox 1"/>
+          <p:cNvSpPr txBox="1"/>
+          <p:nvPr/>
+        </p:nvSpPr>
+        <p:spPr>
+          <a:xfrm>
+            <a:off x="246534" y="5217952"/>
+            <a:ext cx="1317071" cy="461665"/>
+          </a:xfrm>
+          <a:prstGeom prst="rect">
+            <a:avLst/>
+          </a:prstGeom>
+          <a:noFill/>
+        </p:spPr>
+        <p:txBody>
+          <a:bodyPr wrap="square" rtlCol="0">
+            <a:spAutoFit/>
+          </a:bodyPr>
+          <a:lstStyle/>
+          <a:p>
+            <a:r>
+              <a:rPr lang="en-US" altLang="ko-KR" sz="2400" dirty="0" smtClean="0">
+                <a:solidFill>
+                  <a:schemeClr val="bg1"/>
+                </a:solidFill>
+              </a:rPr>
+              <a:t>0322</a:t>
+            </a:r>
+            <a:endParaRPr lang="ko-KR" altLang="en-US" sz="2400" dirty="0">
+              <a:solidFill>
+                <a:schemeClr val="bg1"/>
+              </a:solidFill>
+            </a:endParaRPr>
+          </a:p>
+        </p:txBody>
+      </p:sp>
     </p:spTree>
     <p:extLst>
       <p:ext uri="{BB962C8B-B14F-4D97-AF65-F5344CB8AC3E}">
@@ -4264,6 +4306,36 @@
           </a:prstGeom>
         </p:spPr>
       </p:pic>
+      <p:sp>
+        <p:nvSpPr>
+          <p:cNvPr id="4" name="TextBox 3"/>
+          <p:cNvSpPr txBox="1"/>
+          <p:nvPr/>
+        </p:nvSpPr>
+        <p:spPr>
+          <a:xfrm>
+            <a:off x="2922622" y="6140741"/>
+            <a:ext cx="1317071" cy="461665"/>
+          </a:xfrm>
+          <a:prstGeom prst="rect">
+            <a:avLst/>
+          </a:prstGeom>
+          <a:noFill/>
+        </p:spPr>
+        <p:txBody>
+          <a:bodyPr wrap="square" rtlCol="0">
+            <a:spAutoFit/>
+          </a:bodyPr>
+          <a:lstStyle/>
+          <a:p>
+            <a:r>
+              <a:rPr lang="en-US" altLang="ko-KR" sz="2400" dirty="0" smtClean="0"/>
+              <a:t>0329</a:t>
+            </a:r>
+            <a:endParaRPr lang="ko-KR" altLang="en-US" sz="2400" dirty="0"/>
+          </a:p>
+        </p:txBody>
+      </p:sp>
     </p:spTree>
     <p:extLst>
       <p:ext uri="{BB962C8B-B14F-4D97-AF65-F5344CB8AC3E}">
@@ -4365,6 +4437,44 @@
           </a:solidFill>
         </p:spPr>
       </p:pic>
+      <p:sp>
+        <p:nvSpPr>
+          <p:cNvPr id="4" name="TextBox 3"/>
+          <p:cNvSpPr txBox="1"/>
+          <p:nvPr/>
+        </p:nvSpPr>
+        <p:spPr>
+          <a:xfrm>
+            <a:off x="322034" y="3489645"/>
+            <a:ext cx="1317071" cy="461665"/>
+          </a:xfrm>
+          <a:prstGeom prst="rect">
+            <a:avLst/>
+          </a:prstGeom>
+          <a:noFill/>
+        </p:spPr>
+        <p:txBody>
+          <a:bodyPr wrap="square" rtlCol="0">
+            <a:spAutoFit/>
+          </a:bodyPr>
+          <a:lstStyle/>
+          <a:p>
+            <a:r>
+              <a:rPr lang="en-US" altLang="ko-KR" sz="2400" dirty="0" smtClean="0">
+                <a:solidFill>
+                  <a:schemeClr val="bg1"/>
+                </a:solidFill>
+              </a:rPr>
+              <a:t>0405</a:t>
+            </a:r>
+            <a:endParaRPr lang="ko-KR" altLang="en-US" sz="2400" dirty="0">
+              <a:solidFill>
+                <a:schemeClr val="bg1"/>
+              </a:solidFill>
+            </a:endParaRPr>
+          </a:p>
+        </p:txBody>
+      </p:sp>
     </p:spTree>
     <p:extLst>
       <p:ext uri="{BB962C8B-B14F-4D97-AF65-F5344CB8AC3E}">
@@ -4463,6 +4573,44 @@
           </a:prstGeom>
         </p:spPr>
       </p:pic>
+      <p:sp>
+        <p:nvSpPr>
+          <p:cNvPr id="4" name="TextBox 3"/>
+          <p:cNvSpPr txBox="1"/>
+          <p:nvPr/>
+        </p:nvSpPr>
+        <p:spPr>
+          <a:xfrm>
+            <a:off x="397535" y="3371521"/>
+            <a:ext cx="1317071" cy="461665"/>
+          </a:xfrm>
+          <a:prstGeom prst="rect">
+            <a:avLst/>
+          </a:prstGeom>
+          <a:noFill/>
+        </p:spPr>
+        <p:txBody>
+          <a:bodyPr wrap="square" rtlCol="0">
+            <a:spAutoFit/>
+          </a:bodyPr>
+          <a:lstStyle/>
+          <a:p>
+            <a:r>
+              <a:rPr lang="en-US" altLang="ko-KR" sz="2400" dirty="0" smtClean="0">
+                <a:solidFill>
+                  <a:schemeClr val="bg1"/>
+                </a:solidFill>
+              </a:rPr>
+              <a:t>0412</a:t>
+            </a:r>
+            <a:endParaRPr lang="ko-KR" altLang="en-US" sz="2400" dirty="0">
+              <a:solidFill>
+                <a:schemeClr val="bg1"/>
+              </a:solidFill>
+            </a:endParaRPr>
+          </a:p>
+        </p:txBody>
+      </p:sp>
     </p:spTree>
     <p:extLst>
       <p:ext uri="{BB962C8B-B14F-4D97-AF65-F5344CB8AC3E}">
@@ -4523,7 +4671,7 @@
         </p:blipFill>
         <p:spPr>
           <a:xfrm>
-            <a:off x="0" y="481626"/>
+            <a:off x="0" y="439681"/>
             <a:ext cx="12192000" cy="5894747"/>
           </a:xfrm>
           <a:prstGeom prst="rect">
@@ -4531,6 +4679,44 @@
           </a:prstGeom>
         </p:spPr>
       </p:pic>
+      <p:sp>
+        <p:nvSpPr>
+          <p:cNvPr id="3" name="TextBox 2"/>
+          <p:cNvSpPr txBox="1"/>
+          <p:nvPr/>
+        </p:nvSpPr>
+        <p:spPr>
+          <a:xfrm>
+            <a:off x="129088" y="6334428"/>
+            <a:ext cx="1317071" cy="461665"/>
+          </a:xfrm>
+          <a:prstGeom prst="rect">
+            <a:avLst/>
+          </a:prstGeom>
+          <a:noFill/>
+        </p:spPr>
+        <p:txBody>
+          <a:bodyPr wrap="square" rtlCol="0">
+            <a:spAutoFit/>
+          </a:bodyPr>
+          <a:lstStyle/>
+          <a:p>
+            <a:r>
+              <a:rPr lang="en-US" altLang="ko-KR" sz="2400" dirty="0" smtClean="0">
+                <a:solidFill>
+                  <a:schemeClr val="bg1"/>
+                </a:solidFill>
+              </a:rPr>
+              <a:t>0503</a:t>
+            </a:r>
+            <a:endParaRPr lang="ko-KR" altLang="en-US" sz="2400" dirty="0">
+              <a:solidFill>
+                <a:schemeClr val="bg1"/>
+              </a:solidFill>
+            </a:endParaRPr>
+          </a:p>
+        </p:txBody>
+      </p:sp>
     </p:spTree>
     <p:extLst>
       <p:ext uri="{BB962C8B-B14F-4D97-AF65-F5344CB8AC3E}">
@@ -4739,6 +4925,36 @@
           </a:prstGeom>
         </p:spPr>
       </p:pic>
+      <p:sp>
+        <p:nvSpPr>
+          <p:cNvPr id="6" name="TextBox 5"/>
+          <p:cNvSpPr txBox="1"/>
+          <p:nvPr/>
+        </p:nvSpPr>
+        <p:spPr>
+          <a:xfrm>
+            <a:off x="2293447" y="5907509"/>
+            <a:ext cx="1317071" cy="461665"/>
+          </a:xfrm>
+          <a:prstGeom prst="rect">
+            <a:avLst/>
+          </a:prstGeom>
+          <a:noFill/>
+        </p:spPr>
+        <p:txBody>
+          <a:bodyPr wrap="square" rtlCol="0">
+            <a:spAutoFit/>
+          </a:bodyPr>
+          <a:lstStyle/>
+          <a:p>
+            <a:r>
+              <a:rPr lang="en-US" altLang="ko-KR" sz="2400" dirty="0" smtClean="0"/>
+              <a:t>0322</a:t>
+            </a:r>
+            <a:endParaRPr lang="ko-KR" altLang="en-US" sz="2400" dirty="0"/>
+          </a:p>
+        </p:txBody>
+      </p:sp>
     </p:spTree>
     <p:extLst>
       <p:ext uri="{BB962C8B-B14F-4D97-AF65-F5344CB8AC3E}">
@@ -4915,6 +5131,15 @@
               </a:rPr>
               <a:t>로 설정</a:t>
             </a:r>
+            <a:r>
+              <a:rPr lang="ko-KR" altLang="en-US" kern="0" spc="0" dirty="0">
+                <a:solidFill>
+                  <a:srgbClr val="000000"/>
+                </a:solidFill>
+                <a:effectLst/>
+              </a:rPr>
+              <a:t/>
+            </a:r>
             <a:br>
               <a:rPr lang="ko-KR" altLang="en-US" kern="0" spc="0" dirty="0">
                 <a:solidFill>
@@ -4952,6 +5177,15 @@
                 <a:ea typeface="휴먼고딕"/>
               </a:rPr>
               <a:t>로 설정</a:t>
+            </a:r>
+            <a:r>
+              <a:rPr lang="ko-KR" altLang="en-US" kern="0" spc="0" dirty="0">
+                <a:solidFill>
+                  <a:srgbClr val="000000"/>
+                </a:solidFill>
+                <a:effectLst/>
+              </a:rPr>
+              <a:t/>
             </a:r>
             <a:br>
               <a:rPr lang="ko-KR" altLang="en-US" kern="0" spc="0" dirty="0">
@@ -5178,6 +5412,15 @@
               </a:rPr>
               <a:t>검색 기능 등을 포함</a:t>
             </a:r>
+            <a:r>
+              <a:rPr lang="ko-KR" altLang="en-US" sz="1800" kern="0" spc="0" dirty="0">
+                <a:solidFill>
+                  <a:srgbClr val="000000"/>
+                </a:solidFill>
+                <a:effectLst/>
+              </a:rPr>
+              <a:t/>
+            </a:r>
             <a:br>
               <a:rPr lang="ko-KR" altLang="en-US" sz="1800" kern="0" spc="0" dirty="0">
                 <a:solidFill>
@@ -5276,6 +5519,15 @@
               </a:rPr>
               <a:t>구매 버튼 등을 포함</a:t>
             </a:r>
+            <a:r>
+              <a:rPr lang="ko-KR" altLang="en-US" sz="1800" kern="0" spc="0" dirty="0">
+                <a:solidFill>
+                  <a:srgbClr val="000000"/>
+                </a:solidFill>
+                <a:effectLst/>
+              </a:rPr>
+              <a:t/>
+            </a:r>
             <a:br>
               <a:rPr lang="ko-KR" altLang="en-US" sz="1800" kern="0" spc="0" dirty="0">
                 <a:solidFill>
@@ -5354,6 +5606,15 @@
               </a:rPr>
               <a:t>결제 버튼 등을 포함</a:t>
             </a:r>
+            <a:r>
+              <a:rPr lang="ko-KR" altLang="en-US" sz="1800" kern="0" spc="0" dirty="0">
+                <a:solidFill>
+                  <a:srgbClr val="000000"/>
+                </a:solidFill>
+                <a:effectLst/>
+              </a:rPr>
+              <a:t/>
+            </a:r>
             <a:br>
               <a:rPr lang="ko-KR" altLang="en-US" sz="1800" kern="0" spc="0" dirty="0">
                 <a:solidFill>
@@ -5431,6 +5692,15 @@
                 <a:ea typeface="휴먼고딕"/>
               </a:rPr>
               <a:t>결제 완료 등을 포함</a:t>
+            </a:r>
+            <a:r>
+              <a:rPr lang="ko-KR" altLang="en-US" sz="1800" kern="0" spc="0" dirty="0">
+                <a:solidFill>
+                  <a:srgbClr val="000000"/>
+                </a:solidFill>
+                <a:effectLst/>
+              </a:rPr>
+              <a:t/>
             </a:r>
             <a:br>
               <a:rPr lang="ko-KR" altLang="en-US" sz="1800" kern="0" spc="0" dirty="0">
@@ -5793,6 +6063,44 @@
           </a:prstGeom>
         </p:spPr>
       </p:pic>
+      <p:sp>
+        <p:nvSpPr>
+          <p:cNvPr id="4" name="TextBox 3"/>
+          <p:cNvSpPr txBox="1"/>
+          <p:nvPr/>
+        </p:nvSpPr>
+        <p:spPr>
+          <a:xfrm>
+            <a:off x="212978" y="2686480"/>
+            <a:ext cx="1317071" cy="461665"/>
+          </a:xfrm>
+          <a:prstGeom prst="rect">
+            <a:avLst/>
+          </a:prstGeom>
+          <a:noFill/>
+        </p:spPr>
+        <p:txBody>
+          <a:bodyPr wrap="square" rtlCol="0">
+            <a:spAutoFit/>
+          </a:bodyPr>
+          <a:lstStyle/>
+          <a:p>
+            <a:r>
+              <a:rPr lang="en-US" altLang="ko-KR" sz="2400" dirty="0" smtClean="0">
+                <a:solidFill>
+                  <a:schemeClr val="bg1"/>
+                </a:solidFill>
+              </a:rPr>
+              <a:t>report</a:t>
+            </a:r>
+            <a:endParaRPr lang="ko-KR" altLang="en-US" sz="2400" dirty="0">
+              <a:solidFill>
+                <a:schemeClr val="bg1"/>
+              </a:solidFill>
+            </a:endParaRPr>
+          </a:p>
+        </p:txBody>
+      </p:sp>
     </p:spTree>
     <p:extLst>
       <p:ext uri="{BB962C8B-B14F-4D97-AF65-F5344CB8AC3E}">
@@ -5891,6 +6199,44 @@
           </a:prstGeom>
         </p:spPr>
       </p:pic>
+      <p:sp>
+        <p:nvSpPr>
+          <p:cNvPr id="4" name="TextBox 3"/>
+          <p:cNvSpPr txBox="1"/>
+          <p:nvPr/>
+        </p:nvSpPr>
+        <p:spPr>
+          <a:xfrm>
+            <a:off x="212979" y="2759978"/>
+            <a:ext cx="1317071" cy="461665"/>
+          </a:xfrm>
+          <a:prstGeom prst="rect">
+            <a:avLst/>
+          </a:prstGeom>
+          <a:noFill/>
+        </p:spPr>
+        <p:txBody>
+          <a:bodyPr wrap="square" rtlCol="0">
+            <a:spAutoFit/>
+          </a:bodyPr>
+          <a:lstStyle/>
+          <a:p>
+            <a:r>
+              <a:rPr lang="en-US" altLang="ko-KR" sz="2400" dirty="0" smtClean="0">
+                <a:solidFill>
+                  <a:schemeClr val="bg1"/>
+                </a:solidFill>
+              </a:rPr>
+              <a:t>report2</a:t>
+            </a:r>
+            <a:endParaRPr lang="ko-KR" altLang="en-US" sz="2400" dirty="0">
+              <a:solidFill>
+                <a:schemeClr val="bg1"/>
+              </a:solidFill>
+            </a:endParaRPr>
+          </a:p>
+        </p:txBody>
+      </p:sp>
     </p:spTree>
     <p:extLst>
       <p:ext uri="{BB962C8B-B14F-4D97-AF65-F5344CB8AC3E}">
@@ -6608,116 +6954,6 @@
     <p:extLst>
       <p:ext uri="{BB962C8B-B14F-4D97-AF65-F5344CB8AC3E}">
         <p14:creationId xmlns:p14="http://schemas.microsoft.com/office/powerpoint/2010/main" val="3604917459"/>
-      </p:ext>
-    </p:extLst>
-  </p:cSld>
-  <p:clrMapOvr>
-    <a:masterClrMapping/>
-  </p:clrMapOvr>
-</p:sld>
-</file>
-
-<file path=ppt/slides/slide25.xml><?xml version="1.0" encoding="utf-8"?>
-<p:sld xmlns:a="http://schemas.openxmlformats.org/drawingml/2006/main" xmlns:r="http://schemas.openxmlformats.org/officeDocument/2006/relationships" xmlns:p="http://schemas.openxmlformats.org/presentationml/2006/main">
-  <p:cSld>
-    <p:bg>
-      <p:bgPr>
-        <a:solidFill>
-          <a:schemeClr val="tx1"/>
-        </a:solidFill>
-        <a:effectLst/>
-      </p:bgPr>
-    </p:bg>
-    <p:spTree>
-      <p:nvGrpSpPr>
-        <p:cNvPr id="1" name=""/>
-        <p:cNvGrpSpPr/>
-        <p:nvPr/>
-      </p:nvGrpSpPr>
-      <p:grpSpPr>
-        <a:xfrm>
-          <a:off x="0" y="0"/>
-          <a:ext cx="0" cy="0"/>
-          <a:chOff x="0" y="0"/>
-          <a:chExt cx="0" cy="0"/>
-        </a:xfrm>
-      </p:grpSpPr>
-      <p:sp>
-        <p:nvSpPr>
-          <p:cNvPr id="4" name="제목 1">
-            <a:extLst>
-              <a:ext uri="{FF2B5EF4-FFF2-40B4-BE49-F238E27FC236}">
-                <a16:creationId xmlns:a16="http://schemas.microsoft.com/office/drawing/2014/main" id="{F32E274C-4E22-4F24-B57A-45832E2C1E1A}"/>
-              </a:ext>
-            </a:extLst>
-          </p:cNvPr>
-          <p:cNvSpPr txBox="1">
-            <a:spLocks/>
-          </p:cNvSpPr>
-          <p:nvPr/>
-        </p:nvSpPr>
-        <p:spPr>
-          <a:xfrm>
-            <a:off x="5192097" y="2766218"/>
-            <a:ext cx="1807806" cy="1325563"/>
-          </a:xfrm>
-          <a:prstGeom prst="rect">
-            <a:avLst/>
-          </a:prstGeom>
-        </p:spPr>
-        <p:txBody>
-          <a:bodyPr vert="horz" lIns="91440" tIns="45720" rIns="91440" bIns="45720" rtlCol="0" anchor="ctr">
-            <a:normAutofit/>
-          </a:bodyPr>
-          <a:lstStyle>
-            <a:lvl1pPr algn="l" defTabSz="914400" rtl="0" eaLnBrk="1" latinLnBrk="1" hangingPunct="1">
-              <a:lnSpc>
-                <a:spcPct val="90000"/>
-              </a:lnSpc>
-              <a:spcBef>
-                <a:spcPct val="0"/>
-              </a:spcBef>
-              <a:buNone/>
-              <a:defRPr sz="4400" kern="1200">
-                <a:solidFill>
-                  <a:schemeClr val="tx1"/>
-                </a:solidFill>
-                <a:latin typeface="+mj-lt"/>
-                <a:ea typeface="+mj-ea"/>
-                <a:cs typeface="+mj-cs"/>
-              </a:defRPr>
-            </a:lvl1pPr>
-          </a:lstStyle>
-          <a:p>
-            <a:pPr fontAlgn="base">
-              <a:lnSpc>
-                <a:spcPct val="160000"/>
-              </a:lnSpc>
-              <a:spcBef>
-                <a:spcPts val="0"/>
-              </a:spcBef>
-            </a:pPr>
-            <a:r>
-              <a:rPr lang="ko-KR" altLang="en-US" sz="2400" dirty="0">
-                <a:solidFill>
-                  <a:schemeClr val="bg1"/>
-                </a:solidFill>
-                <a:latin typeface="맑은 고딕" panose="020B0503020000020004" pitchFamily="50" charset="-127"/>
-                <a:ea typeface="맑은 고딕" panose="020B0503020000020004" pitchFamily="50" charset="-127"/>
-              </a:rPr>
-              <a:t>감사합니다</a:t>
-            </a:r>
-            <a:endParaRPr lang="ko-KR" altLang="en-US" sz="2400" dirty="0">
-              <a:latin typeface="맑은 고딕" panose="020B0503020000020004" pitchFamily="50" charset="-127"/>
-              <a:ea typeface="맑은 고딕" panose="020B0503020000020004" pitchFamily="50" charset="-127"/>
-            </a:endParaRPr>
-          </a:p>
-        </p:txBody>
-      </p:sp>
-    </p:spTree>
-    <p:extLst>
-      <p:ext uri="{BB962C8B-B14F-4D97-AF65-F5344CB8AC3E}">
-        <p14:creationId xmlns:p14="http://schemas.microsoft.com/office/powerpoint/2010/main" val="1012170585"/>
       </p:ext>
     </p:extLst>
   </p:cSld>
